--- a/slides/Lecture04.pptx
+++ b/slides/Lecture04.pptx
@@ -227,7 +227,7 @@
           <a:p>
             <a:fld id="{9B76BEED-DF9C-1A44-AA9A-E917AAEDB26F}" type="datetimeFigureOut">
               <a:rPr lang="en-US" smtClean="0"/>
-              <a:t>9/11/18</a:t>
+              <a:t>9/13/18</a:t>
             </a:fld>
             <a:endParaRPr lang="en-US"/>
           </a:p>
@@ -393,7 +393,7 @@
           <a:p>
             <a:fld id="{21727DB9-44F7-CE42-9AB8-318282F70AED}" type="datetimeFigureOut">
               <a:rPr lang="en-US" smtClean="0"/>
-              <a:t>9/11/18</a:t>
+              <a:t>9/13/18</a:t>
             </a:fld>
             <a:endParaRPr lang="en-US"/>
           </a:p>
@@ -961,10 +961,9 @@
               <a:t>stackoverflow.com</a:t>
             </a:r>
             <a:r>
-              <a:rPr lang="en-US" baseline="0" smtClean="0"/>
+              <a:rPr lang="en-US" baseline="0" dirty="0" smtClean="0"/>
               <a:t>/questions/6911688/c-making-a-deep-copy-of-a-struct-making-a-shallow-copy-of-a-struct</a:t>
             </a:r>
-            <a:endParaRPr lang="en-US" baseline="0" dirty="0" smtClean="0"/>
           </a:p>
           <a:p>
             <a:endParaRPr lang="en-US" baseline="0" dirty="0" smtClean="0"/>
@@ -2377,7 +2376,7 @@
           <a:p>
             <a:fld id="{ABADC6AE-926E-EB46-B8FC-9667B257EE73}" type="datetime1">
               <a:rPr lang="en-US" smtClean="0"/>
-              <a:t>9/11/18</a:t>
+              <a:t>9/13/18</a:t>
             </a:fld>
             <a:endParaRPr lang="en-US"/>
           </a:p>
@@ -2559,7 +2558,7 @@
           <a:p>
             <a:fld id="{E4F8A470-08EF-614D-BCC9-E2DDCDFFE454}" type="datetime1">
               <a:rPr lang="en-US" smtClean="0"/>
-              <a:t>9/11/18</a:t>
+              <a:t>9/13/18</a:t>
             </a:fld>
             <a:endParaRPr lang="en-US"/>
           </a:p>
@@ -2746,7 +2745,7 @@
           <a:p>
             <a:fld id="{AC56EEEE-62FA-B747-AC9A-642FE7F5EF9B}" type="datetime1">
               <a:rPr lang="en-US" smtClean="0"/>
-              <a:t>9/11/18</a:t>
+              <a:t>9/13/18</a:t>
             </a:fld>
             <a:endParaRPr lang="en-US"/>
           </a:p>
@@ -2902,7 +2901,7 @@
           <a:p>
             <a:fld id="{1F477C8D-48FB-BF44-B6D5-4E85A8E18A15}" type="datetime1">
               <a:rPr lang="en-US" smtClean="0"/>
-              <a:t>9/11/18</a:t>
+              <a:t>9/13/18</a:t>
             </a:fld>
             <a:endParaRPr lang="en-US"/>
           </a:p>
@@ -3189,7 +3188,7 @@
           <a:p>
             <a:fld id="{DF8BADF2-0887-724B-A839-500D892D50B2}" type="datetime1">
               <a:rPr lang="en-US" smtClean="0"/>
-              <a:t>9/11/18</a:t>
+              <a:t>9/13/18</a:t>
             </a:fld>
             <a:endParaRPr lang="en-US"/>
           </a:p>
@@ -3489,7 +3488,7 @@
           <a:p>
             <a:fld id="{AB679CD2-02A6-CF4B-81E1-8900F68564D6}" type="datetime1">
               <a:rPr lang="en-US" smtClean="0"/>
-              <a:t>9/11/18</a:t>
+              <a:t>9/13/18</a:t>
             </a:fld>
             <a:endParaRPr lang="en-US"/>
           </a:p>
@@ -3923,7 +3922,7 @@
           <a:p>
             <a:fld id="{1C655F5E-2E53-4E4B-9444-4A64692CB673}" type="datetime1">
               <a:rPr lang="en-US" smtClean="0"/>
-              <a:t>9/11/18</a:t>
+              <a:t>9/13/18</a:t>
             </a:fld>
             <a:endParaRPr lang="en-US"/>
           </a:p>
@@ -4053,7 +4052,7 @@
           <a:p>
             <a:fld id="{CA8CAF75-CF7F-A543-973A-BC50716AB675}" type="datetime1">
               <a:rPr lang="en-US" smtClean="0"/>
-              <a:t>9/11/18</a:t>
+              <a:t>9/13/18</a:t>
             </a:fld>
             <a:endParaRPr lang="en-US"/>
           </a:p>
@@ -4151,7 +4150,7 @@
           <a:p>
             <a:fld id="{BF82A31A-3479-9246-9E87-DD4066827871}" type="datetime1">
               <a:rPr lang="en-US" smtClean="0"/>
-              <a:t>9/11/18</a:t>
+              <a:t>9/13/18</a:t>
             </a:fld>
             <a:endParaRPr lang="en-US"/>
           </a:p>
@@ -4434,7 +4433,7 @@
           <a:p>
             <a:fld id="{42D814F9-59BE-C34C-B5F0-2D95F91463AA}" type="datetime1">
               <a:rPr lang="en-US" smtClean="0"/>
-              <a:t>9/11/18</a:t>
+              <a:t>9/13/18</a:t>
             </a:fld>
             <a:endParaRPr lang="en-US"/>
           </a:p>
@@ -4694,7 +4693,7 @@
           <a:p>
             <a:fld id="{B138EFD8-0C61-A541-90AF-E8C2C75167F4}" type="datetime1">
               <a:rPr lang="en-US" smtClean="0"/>
-              <a:t>9/11/18</a:t>
+              <a:t>9/13/18</a:t>
             </a:fld>
             <a:endParaRPr lang="en-US"/>
           </a:p>
@@ -4878,7 +4877,7 @@
           <a:p>
             <a:fld id="{2DCE6237-6632-494A-BB45-136EF54BD008}" type="datetime1">
               <a:rPr lang="en-US" smtClean="0"/>
-              <a:t>9/11/18</a:t>
+              <a:t>9/13/18</a:t>
             </a:fld>
             <a:endParaRPr lang="en-US"/>
           </a:p>
@@ -5642,15 +5641,7 @@
             </a:pPr>
             <a:r>
               <a:rPr lang="en-US" dirty="0" smtClean="0"/>
-              <a:t>Instructor: </a:t>
-            </a:r>
-            <a:r>
-              <a:rPr lang="en-US" dirty="0" smtClean="0"/>
-              <a:t>Tommy Dang, </a:t>
-            </a:r>
-            <a:r>
-              <a:rPr lang="en-US" dirty="0" smtClean="0"/>
-              <a:t>Ph.D.</a:t>
+              <a:t>Instructor: Tommy Dang, Ph.D.</a:t>
             </a:r>
           </a:p>
           <a:p>
@@ -5769,14 +5760,14 @@
           <a:effectLst/>
           <a:extLst>
             <a:ext uri="{909E8E84-426E-40dd-AFC4-6F175D3DCCD1}">
-              <a14:hiddenFill xmlns="" xmlns:a14="http://schemas.microsoft.com/office/drawing/2010/main">
+              <a14:hiddenFill xmlns:a14="http://schemas.microsoft.com/office/drawing/2010/main" xmlns="">
                 <a:solidFill>
                   <a:schemeClr val="accent1"/>
                 </a:solidFill>
               </a14:hiddenFill>
             </a:ext>
             <a:ext uri="{91240B29-F687-4f45-9708-019B960494DF}">
-              <a14:hiddenLine xmlns="" xmlns:a14="http://schemas.microsoft.com/office/drawing/2010/main" w="9525">
+              <a14:hiddenLine xmlns:a14="http://schemas.microsoft.com/office/drawing/2010/main" xmlns="" w="9525">
                 <a:solidFill>
                   <a:schemeClr val="tx1"/>
                 </a:solidFill>
@@ -5786,7 +5777,7 @@
               </a14:hiddenLine>
             </a:ext>
             <a:ext uri="{AF507438-7753-43e0-B8FC-AC1667EBCBE1}">
-              <a14:hiddenEffects xmlns="" xmlns:a14="http://schemas.microsoft.com/office/drawing/2010/main">
+              <a14:hiddenEffects xmlns:a14="http://schemas.microsoft.com/office/drawing/2010/main" xmlns="">
                 <a:effectLst>
                   <a:outerShdw blurRad="63500" dist="38099" dir="2700000" algn="ctr" rotWithShape="0">
                     <a:schemeClr val="bg2">
@@ -5865,14 +5856,14 @@
           <a:effectLst/>
           <a:extLst>
             <a:ext uri="{909E8E84-426E-40dd-AFC4-6F175D3DCCD1}">
-              <a14:hiddenFill xmlns="" xmlns:a14="http://schemas.microsoft.com/office/drawing/2010/main">
+              <a14:hiddenFill xmlns:a14="http://schemas.microsoft.com/office/drawing/2010/main" xmlns="">
                 <a:solidFill>
                   <a:schemeClr val="accent1"/>
                 </a:solidFill>
               </a14:hiddenFill>
             </a:ext>
             <a:ext uri="{91240B29-F687-4f45-9708-019B960494DF}">
-              <a14:hiddenLine xmlns="" xmlns:a14="http://schemas.microsoft.com/office/drawing/2010/main" w="9525">
+              <a14:hiddenLine xmlns:a14="http://schemas.microsoft.com/office/drawing/2010/main" xmlns="" w="9525">
                 <a:solidFill>
                   <a:schemeClr val="tx1"/>
                 </a:solidFill>
@@ -5882,7 +5873,7 @@
               </a14:hiddenLine>
             </a:ext>
             <a:ext uri="{AF507438-7753-43e0-B8FC-AC1667EBCBE1}">
-              <a14:hiddenEffects xmlns="" xmlns:a14="http://schemas.microsoft.com/office/drawing/2010/main">
+              <a14:hiddenEffects xmlns:a14="http://schemas.microsoft.com/office/drawing/2010/main" xmlns="">
                 <a:effectLst>
                   <a:outerShdw blurRad="63500" dist="38099" dir="2700000" algn="ctr" rotWithShape="0">
                     <a:schemeClr val="bg2">
@@ -5913,7 +5904,7 @@
             <a:fld id="{3994B9CF-4230-4819-9F6D-569B9E96EFB9}" type="datetime1">
               <a:rPr lang="en-US" altLang="zh-CN" smtClean="0"/>
               <a:pPr/>
-              <a:t>9/11/18</a:t>
+              <a:t>9/13/18</a:t>
             </a:fld>
             <a:endParaRPr lang="en-US"/>
           </a:p>
@@ -6055,14 +6046,14 @@
           <a:effectLst/>
           <a:extLst>
             <a:ext uri="{909E8E84-426E-40dd-AFC4-6F175D3DCCD1}">
-              <a14:hiddenFill xmlns="" xmlns:a14="http://schemas.microsoft.com/office/drawing/2010/main">
+              <a14:hiddenFill xmlns:a14="http://schemas.microsoft.com/office/drawing/2010/main" xmlns="">
                 <a:solidFill>
                   <a:schemeClr val="accent1"/>
                 </a:solidFill>
               </a14:hiddenFill>
             </a:ext>
             <a:ext uri="{91240B29-F687-4f45-9708-019B960494DF}">
-              <a14:hiddenLine xmlns="" xmlns:a14="http://schemas.microsoft.com/office/drawing/2010/main" w="9525">
+              <a14:hiddenLine xmlns:a14="http://schemas.microsoft.com/office/drawing/2010/main" xmlns="" w="9525">
                 <a:solidFill>
                   <a:schemeClr val="tx1"/>
                 </a:solidFill>
@@ -6072,7 +6063,7 @@
               </a14:hiddenLine>
             </a:ext>
             <a:ext uri="{AF507438-7753-43e0-B8FC-AC1667EBCBE1}">
-              <a14:hiddenEffects xmlns="" xmlns:a14="http://schemas.microsoft.com/office/drawing/2010/main">
+              <a14:hiddenEffects xmlns:a14="http://schemas.microsoft.com/office/drawing/2010/main" xmlns="">
                 <a:effectLst>
                   <a:outerShdw blurRad="63500" dist="38099" dir="2700000" algn="ctr" rotWithShape="0">
                     <a:schemeClr val="bg2">
@@ -6133,7 +6124,7 @@
             <a:fld id="{3994B9CF-4230-4819-9F6D-569B9E96EFB9}" type="datetime1">
               <a:rPr lang="en-US" altLang="zh-CN" smtClean="0"/>
               <a:pPr/>
-              <a:t>9/11/18</a:t>
+              <a:t>9/13/18</a:t>
             </a:fld>
             <a:endParaRPr lang="en-US"/>
           </a:p>
@@ -6273,14 +6264,14 @@
           <a:effectLst/>
           <a:extLst>
             <a:ext uri="{909E8E84-426E-40dd-AFC4-6F175D3DCCD1}">
-              <a14:hiddenFill xmlns="" xmlns:a14="http://schemas.microsoft.com/office/drawing/2010/main">
+              <a14:hiddenFill xmlns:a14="http://schemas.microsoft.com/office/drawing/2010/main" xmlns="">
                 <a:solidFill>
                   <a:schemeClr val="accent1"/>
                 </a:solidFill>
               </a14:hiddenFill>
             </a:ext>
             <a:ext uri="{91240B29-F687-4f45-9708-019B960494DF}">
-              <a14:hiddenLine xmlns="" xmlns:a14="http://schemas.microsoft.com/office/drawing/2010/main" w="9525">
+              <a14:hiddenLine xmlns:a14="http://schemas.microsoft.com/office/drawing/2010/main" xmlns="" w="9525">
                 <a:solidFill>
                   <a:schemeClr val="tx1"/>
                 </a:solidFill>
@@ -6290,7 +6281,7 @@
               </a14:hiddenLine>
             </a:ext>
             <a:ext uri="{AF507438-7753-43e0-B8FC-AC1667EBCBE1}">
-              <a14:hiddenEffects xmlns="" xmlns:a14="http://schemas.microsoft.com/office/drawing/2010/main">
+              <a14:hiddenEffects xmlns:a14="http://schemas.microsoft.com/office/drawing/2010/main" xmlns="">
                 <a:effectLst>
                   <a:outerShdw blurRad="63500" dist="38099" dir="2700000" algn="ctr" rotWithShape="0">
                     <a:schemeClr val="bg2">
@@ -6342,7 +6333,7 @@
           <a:graphicData uri="http://schemas.openxmlformats.org/presentationml/2006/ole">
             <mc:AlternateContent xmlns:mc="http://schemas.openxmlformats.org/markup-compatibility/2006">
               <mc:Choice xmlns:v="urn:schemas-microsoft-com:vml" Requires="v">
-                <p:oleObj spid="_x0000_s2094" name="Image" r:id="rId4" imgW="19202400" imgH="6400800" progId="">
+                <p:oleObj spid="_x0000_s2097" name="Image" r:id="rId4" imgW="19202400" imgH="6400800" progId="">
                   <p:embed/>
                 </p:oleObj>
               </mc:Choice>
@@ -6385,14 +6376,14 @@
                       <a:effectLst/>
                       <a:extLst>
                         <a:ext uri="{909E8E84-426E-40dd-AFC4-6F175D3DCCD1}">
-                          <a14:hiddenFill xmlns="" xmlns:a14="http://schemas.microsoft.com/office/drawing/2010/main">
+                          <a14:hiddenFill xmlns:a14="http://schemas.microsoft.com/office/drawing/2010/main" xmlns="">
                             <a:solidFill>
                               <a:schemeClr val="accent1"/>
                             </a:solidFill>
                           </a14:hiddenFill>
                         </a:ext>
                         <a:ext uri="{91240B29-F687-4f45-9708-019B960494DF}">
-                          <a14:hiddenLine xmlns="" xmlns:a14="http://schemas.microsoft.com/office/drawing/2010/main" w="12700">
+                          <a14:hiddenLine xmlns:a14="http://schemas.microsoft.com/office/drawing/2010/main" xmlns="" w="12700">
                             <a:solidFill>
                               <a:schemeClr val="tx1"/>
                             </a:solidFill>
@@ -6402,7 +6393,7 @@
                           </a14:hiddenLine>
                         </a:ext>
                         <a:ext uri="{AF507438-7753-43e0-B8FC-AC1667EBCBE1}">
-                          <a14:hiddenEffects xmlns="" xmlns:a14="http://schemas.microsoft.com/office/drawing/2010/main">
+                          <a14:hiddenEffects xmlns:a14="http://schemas.microsoft.com/office/drawing/2010/main" xmlns="">
                             <a:effectLst>
                               <a:outerShdw blurRad="63500" dist="38097" dir="2700000" algn="ctr" rotWithShape="0">
                                 <a:schemeClr val="bg2">
@@ -6439,7 +6430,7 @@
             <a:fld id="{487F879E-8EED-4FE2-A17D-B57876BAF999}" type="datetime1">
               <a:rPr lang="en-US" altLang="zh-CN" smtClean="0"/>
               <a:pPr/>
-              <a:t>9/11/18</a:t>
+              <a:t>9/13/18</a:t>
             </a:fld>
             <a:endParaRPr lang="en-US"/>
           </a:p>
@@ -6589,14 +6580,14 @@
           <a:effectLst/>
           <a:extLst>
             <a:ext uri="{909E8E84-426E-40dd-AFC4-6F175D3DCCD1}">
-              <a14:hiddenFill xmlns="" xmlns:a14="http://schemas.microsoft.com/office/drawing/2010/main">
+              <a14:hiddenFill xmlns:a14="http://schemas.microsoft.com/office/drawing/2010/main" xmlns="">
                 <a:solidFill>
                   <a:schemeClr val="accent1"/>
                 </a:solidFill>
               </a14:hiddenFill>
             </a:ext>
             <a:ext uri="{91240B29-F687-4f45-9708-019B960494DF}">
-              <a14:hiddenLine xmlns="" xmlns:a14="http://schemas.microsoft.com/office/drawing/2010/main" w="9525">
+              <a14:hiddenLine xmlns:a14="http://schemas.microsoft.com/office/drawing/2010/main" xmlns="" w="9525">
                 <a:solidFill>
                   <a:schemeClr val="tx1"/>
                 </a:solidFill>
@@ -6606,7 +6597,7 @@
               </a14:hiddenLine>
             </a:ext>
             <a:ext uri="{AF507438-7753-43e0-B8FC-AC1667EBCBE1}">
-              <a14:hiddenEffects xmlns="" xmlns:a14="http://schemas.microsoft.com/office/drawing/2010/main">
+              <a14:hiddenEffects xmlns:a14="http://schemas.microsoft.com/office/drawing/2010/main" xmlns="">
                 <a:effectLst>
                   <a:outerShdw blurRad="63500" dist="38099" dir="2700000" algn="ctr" rotWithShape="0">
                     <a:schemeClr val="bg2">
@@ -6658,7 +6649,7 @@
           <a:graphicData uri="http://schemas.openxmlformats.org/presentationml/2006/ole">
             <mc:AlternateContent xmlns:mc="http://schemas.openxmlformats.org/markup-compatibility/2006">
               <mc:Choice xmlns:v="urn:schemas-microsoft-com:vml" Requires="v">
-                <p:oleObj spid="_x0000_s3118" name="Image" r:id="rId4" imgW="19202400" imgH="5486400" progId="">
+                <p:oleObj spid="_x0000_s3121" name="Image" r:id="rId4" imgW="19202400" imgH="5486400" progId="">
                   <p:embed/>
                 </p:oleObj>
               </mc:Choice>
@@ -6701,14 +6692,14 @@
                       <a:effectLst/>
                       <a:extLst>
                         <a:ext uri="{909E8E84-426E-40dd-AFC4-6F175D3DCCD1}">
-                          <a14:hiddenFill xmlns="" xmlns:a14="http://schemas.microsoft.com/office/drawing/2010/main">
+                          <a14:hiddenFill xmlns:a14="http://schemas.microsoft.com/office/drawing/2010/main" xmlns="">
                             <a:solidFill>
                               <a:schemeClr val="accent1"/>
                             </a:solidFill>
                           </a14:hiddenFill>
                         </a:ext>
                         <a:ext uri="{91240B29-F687-4f45-9708-019B960494DF}">
-                          <a14:hiddenLine xmlns="" xmlns:a14="http://schemas.microsoft.com/office/drawing/2010/main" w="12700">
+                          <a14:hiddenLine xmlns:a14="http://schemas.microsoft.com/office/drawing/2010/main" xmlns="" w="12700">
                             <a:solidFill>
                               <a:schemeClr val="tx1"/>
                             </a:solidFill>
@@ -6718,7 +6709,7 @@
                           </a14:hiddenLine>
                         </a:ext>
                         <a:ext uri="{AF507438-7753-43e0-B8FC-AC1667EBCBE1}">
-                          <a14:hiddenEffects xmlns="" xmlns:a14="http://schemas.microsoft.com/office/drawing/2010/main">
+                          <a14:hiddenEffects xmlns:a14="http://schemas.microsoft.com/office/drawing/2010/main" xmlns="">
                             <a:effectLst>
                               <a:outerShdw blurRad="63500" dist="38097" dir="2700000" algn="ctr" rotWithShape="0">
                                 <a:schemeClr val="bg2">
@@ -6755,7 +6746,7 @@
             <a:fld id="{54B230A0-BEBB-4D60-B26F-B43C3A7F9C63}" type="datetime1">
               <a:rPr lang="en-US" altLang="zh-CN" smtClean="0"/>
               <a:pPr/>
-              <a:t>9/11/18</a:t>
+              <a:t>9/13/18</a:t>
             </a:fld>
             <a:endParaRPr lang="en-US"/>
           </a:p>
@@ -6898,14 +6889,14 @@
           <a:effectLst/>
           <a:extLst>
             <a:ext uri="{909E8E84-426E-40dd-AFC4-6F175D3DCCD1}">
-              <a14:hiddenFill xmlns="" xmlns:a14="http://schemas.microsoft.com/office/drawing/2010/main">
+              <a14:hiddenFill xmlns:a14="http://schemas.microsoft.com/office/drawing/2010/main" xmlns="">
                 <a:solidFill>
                   <a:schemeClr val="accent1"/>
                 </a:solidFill>
               </a14:hiddenFill>
             </a:ext>
             <a:ext uri="{91240B29-F687-4f45-9708-019B960494DF}">
-              <a14:hiddenLine xmlns="" xmlns:a14="http://schemas.microsoft.com/office/drawing/2010/main" w="9525">
+              <a14:hiddenLine xmlns:a14="http://schemas.microsoft.com/office/drawing/2010/main" xmlns="" w="9525">
                 <a:solidFill>
                   <a:schemeClr val="tx1"/>
                 </a:solidFill>
@@ -6915,7 +6906,7 @@
               </a14:hiddenLine>
             </a:ext>
             <a:ext uri="{AF507438-7753-43e0-B8FC-AC1667EBCBE1}">
-              <a14:hiddenEffects xmlns="" xmlns:a14="http://schemas.microsoft.com/office/drawing/2010/main">
+              <a14:hiddenEffects xmlns:a14="http://schemas.microsoft.com/office/drawing/2010/main" xmlns="">
                 <a:effectLst>
                   <a:outerShdw blurRad="63500" dist="38099" dir="2700000" algn="ctr" rotWithShape="0">
                     <a:schemeClr val="bg2">
@@ -7019,7 +7010,7 @@
           <a:noFill/>
           <a:extLst>
             <a:ext uri="{909E8E84-426E-40dd-AFC4-6F175D3DCCD1}">
-              <a14:hiddenFill xmlns="" xmlns:a14="http://schemas.microsoft.com/office/drawing/2010/main">
+              <a14:hiddenFill xmlns:a14="http://schemas.microsoft.com/office/drawing/2010/main" xmlns="">
                 <a:solidFill>
                   <a:srgbClr val="FFFFFF"/>
                 </a:solidFill>
@@ -7046,7 +7037,7 @@
             <a:fld id="{62001CEE-EFDA-474A-A504-39F2D52C739C}" type="datetime1">
               <a:rPr lang="en-US" altLang="zh-CN" smtClean="0"/>
               <a:pPr/>
-              <a:t>9/11/18</a:t>
+              <a:t>9/13/18</a:t>
             </a:fld>
             <a:endParaRPr lang="en-US"/>
           </a:p>
@@ -7250,14 +7241,14 @@
           <a:effectLst/>
           <a:extLst>
             <a:ext uri="{909E8E84-426E-40dd-AFC4-6F175D3DCCD1}">
-              <a14:hiddenFill xmlns="" xmlns:a14="http://schemas.microsoft.com/office/drawing/2010/main">
+              <a14:hiddenFill xmlns:a14="http://schemas.microsoft.com/office/drawing/2010/main" xmlns="">
                 <a:solidFill>
                   <a:schemeClr val="accent1"/>
                 </a:solidFill>
               </a14:hiddenFill>
             </a:ext>
             <a:ext uri="{91240B29-F687-4f45-9708-019B960494DF}">
-              <a14:hiddenLine xmlns="" xmlns:a14="http://schemas.microsoft.com/office/drawing/2010/main" w="9525">
+              <a14:hiddenLine xmlns:a14="http://schemas.microsoft.com/office/drawing/2010/main" xmlns="" w="9525">
                 <a:solidFill>
                   <a:schemeClr val="tx1"/>
                 </a:solidFill>
@@ -7267,7 +7258,7 @@
               </a14:hiddenLine>
             </a:ext>
             <a:ext uri="{AF507438-7753-43e0-B8FC-AC1667EBCBE1}">
-              <a14:hiddenEffects xmlns="" xmlns:a14="http://schemas.microsoft.com/office/drawing/2010/main">
+              <a14:hiddenEffects xmlns:a14="http://schemas.microsoft.com/office/drawing/2010/main" xmlns="">
                 <a:effectLst>
                   <a:outerShdw blurRad="63500" dist="38099" dir="2700000" algn="ctr" rotWithShape="0">
                     <a:schemeClr val="bg2">
@@ -7319,7 +7310,7 @@
           <a:graphicData uri="http://schemas.openxmlformats.org/presentationml/2006/ole">
             <mc:AlternateContent xmlns:mc="http://schemas.openxmlformats.org/markup-compatibility/2006">
               <mc:Choice xmlns:v="urn:schemas-microsoft-com:vml" Requires="v">
-                <p:oleObj spid="_x0000_s4142" name="Image" r:id="rId4" imgW="19202400" imgH="3657600" progId="">
+                <p:oleObj spid="_x0000_s4145" name="Image" r:id="rId4" imgW="19202400" imgH="3657600" progId="">
                   <p:embed/>
                 </p:oleObj>
               </mc:Choice>
@@ -7362,14 +7353,14 @@
                       <a:effectLst/>
                       <a:extLst>
                         <a:ext uri="{909E8E84-426E-40dd-AFC4-6F175D3DCCD1}">
-                          <a14:hiddenFill xmlns="" xmlns:a14="http://schemas.microsoft.com/office/drawing/2010/main">
+                          <a14:hiddenFill xmlns:a14="http://schemas.microsoft.com/office/drawing/2010/main" xmlns="">
                             <a:solidFill>
                               <a:schemeClr val="accent1"/>
                             </a:solidFill>
                           </a14:hiddenFill>
                         </a:ext>
                         <a:ext uri="{91240B29-F687-4f45-9708-019B960494DF}">
-                          <a14:hiddenLine xmlns="" xmlns:a14="http://schemas.microsoft.com/office/drawing/2010/main" w="12700">
+                          <a14:hiddenLine xmlns:a14="http://schemas.microsoft.com/office/drawing/2010/main" xmlns="" w="12700">
                             <a:solidFill>
                               <a:schemeClr val="tx1"/>
                             </a:solidFill>
@@ -7379,7 +7370,7 @@
                           </a14:hiddenLine>
                         </a:ext>
                         <a:ext uri="{AF507438-7753-43e0-B8FC-AC1667EBCBE1}">
-                          <a14:hiddenEffects xmlns="" xmlns:a14="http://schemas.microsoft.com/office/drawing/2010/main">
+                          <a14:hiddenEffects xmlns:a14="http://schemas.microsoft.com/office/drawing/2010/main" xmlns="">
                             <a:effectLst>
                               <a:outerShdw blurRad="63500" dist="38097" dir="2700000" algn="ctr" rotWithShape="0">
                                 <a:schemeClr val="bg2">
@@ -7416,7 +7407,7 @@
             <a:fld id="{5117CC1D-F85E-4F4F-9DB1-8F2B4A012EF0}" type="datetime1">
               <a:rPr lang="en-US" altLang="zh-CN" smtClean="0"/>
               <a:pPr/>
-              <a:t>9/11/18</a:t>
+              <a:t>9/13/18</a:t>
             </a:fld>
             <a:endParaRPr lang="en-US"/>
           </a:p>
@@ -7558,14 +7549,14 @@
           <a:effectLst/>
           <a:extLst>
             <a:ext uri="{909E8E84-426E-40dd-AFC4-6F175D3DCCD1}">
-              <a14:hiddenFill xmlns="" xmlns:a14="http://schemas.microsoft.com/office/drawing/2010/main">
+              <a14:hiddenFill xmlns:a14="http://schemas.microsoft.com/office/drawing/2010/main" xmlns="">
                 <a:solidFill>
                   <a:schemeClr val="accent1"/>
                 </a:solidFill>
               </a14:hiddenFill>
             </a:ext>
             <a:ext uri="{91240B29-F687-4f45-9708-019B960494DF}">
-              <a14:hiddenLine xmlns="" xmlns:a14="http://schemas.microsoft.com/office/drawing/2010/main" w="9525">
+              <a14:hiddenLine xmlns:a14="http://schemas.microsoft.com/office/drawing/2010/main" xmlns="" w="9525">
                 <a:solidFill>
                   <a:schemeClr val="tx1"/>
                 </a:solidFill>
@@ -7575,7 +7566,7 @@
               </a14:hiddenLine>
             </a:ext>
             <a:ext uri="{AF507438-7753-43e0-B8FC-AC1667EBCBE1}">
-              <a14:hiddenEffects xmlns="" xmlns:a14="http://schemas.microsoft.com/office/drawing/2010/main">
+              <a14:hiddenEffects xmlns:a14="http://schemas.microsoft.com/office/drawing/2010/main" xmlns="">
                 <a:effectLst>
                   <a:outerShdw blurRad="63500" dist="38099" dir="2700000" algn="ctr" rotWithShape="0">
                     <a:schemeClr val="bg2">
@@ -7645,7 +7636,7 @@
             <a:fld id="{2FEB9399-945B-45E5-A2F4-A1FC125192A5}" type="datetime1">
               <a:rPr lang="en-US" altLang="zh-CN" smtClean="0"/>
               <a:pPr/>
-              <a:t>9/11/18</a:t>
+              <a:t>9/13/18</a:t>
             </a:fld>
             <a:endParaRPr lang="en-US"/>
           </a:p>
@@ -7762,7 +7753,7 @@
           <a:noFill/>
           <a:extLst>
             <a:ext uri="{909E8E84-426E-40dd-AFC4-6F175D3DCCD1}">
-              <a14:hiddenFill xmlns="" xmlns:a14="http://schemas.microsoft.com/office/drawing/2010/main">
+              <a14:hiddenFill xmlns:a14="http://schemas.microsoft.com/office/drawing/2010/main" xmlns="">
                 <a:solidFill>
                   <a:srgbClr val="FFFFFF"/>
                 </a:solidFill>
@@ -7859,7 +7850,7 @@
           <a:p>
             <a:fld id="{52ABBB52-D186-264B-B6B8-688F4CAB6400}" type="datetime1">
               <a:rPr lang="en-US" smtClean="0"/>
-              <a:t>9/11/18</a:t>
+              <a:t>9/13/18</a:t>
             </a:fld>
             <a:endParaRPr lang="en-US"/>
           </a:p>
@@ -8095,7 +8086,7 @@
           <a:p>
             <a:fld id="{C94E3762-5D8A-3A4E-B6DB-2FE9B8FB070F}" type="datetime1">
               <a:rPr lang="en-US" smtClean="0"/>
-              <a:t>9/11/18</a:t>
+              <a:t>9/13/18</a:t>
             </a:fld>
             <a:endParaRPr lang="en-US"/>
           </a:p>
@@ -8233,14 +8224,14 @@
           <a:effectLst/>
           <a:extLst>
             <a:ext uri="{909E8E84-426E-40dd-AFC4-6F175D3DCCD1}">
-              <a14:hiddenFill xmlns:a14="http://schemas.microsoft.com/office/drawing/2010/main" xmlns="">
+              <a14:hiddenFill xmlns="" xmlns:a14="http://schemas.microsoft.com/office/drawing/2010/main">
                 <a:solidFill>
                   <a:schemeClr val="accent1"/>
                 </a:solidFill>
               </a14:hiddenFill>
             </a:ext>
             <a:ext uri="{91240B29-F687-4f45-9708-019B960494DF}">
-              <a14:hiddenLine xmlns:a14="http://schemas.microsoft.com/office/drawing/2010/main" xmlns="" w="9525">
+              <a14:hiddenLine xmlns="" xmlns:a14="http://schemas.microsoft.com/office/drawing/2010/main" w="9525">
                 <a:solidFill>
                   <a:schemeClr val="tx1"/>
                 </a:solidFill>
@@ -8250,7 +8241,7 @@
               </a14:hiddenLine>
             </a:ext>
             <a:ext uri="{AF507438-7753-43e0-B8FC-AC1667EBCBE1}">
-              <a14:hiddenEffects xmlns:a14="http://schemas.microsoft.com/office/drawing/2010/main" xmlns="">
+              <a14:hiddenEffects xmlns="" xmlns:a14="http://schemas.microsoft.com/office/drawing/2010/main">
                 <a:effectLst>
                   <a:outerShdw blurRad="63500" dist="38099" dir="2700000" algn="ctr" rotWithShape="0">
                     <a:schemeClr val="bg2">
@@ -8318,7 +8309,7 @@
           <a:noFill/>
           <a:extLst>
             <a:ext uri="{909E8E84-426E-40dd-AFC4-6F175D3DCCD1}">
-              <a14:hiddenFill xmlns:a14="http://schemas.microsoft.com/office/drawing/2010/main" xmlns="">
+              <a14:hiddenFill xmlns="" xmlns:a14="http://schemas.microsoft.com/office/drawing/2010/main">
                 <a:solidFill>
                   <a:srgbClr val="FFFFFF"/>
                 </a:solidFill>
@@ -8378,7 +8369,7 @@
             <a:fld id="{3175516F-F2A2-47C5-9741-85CE8E25E4A5}" type="datetime1">
               <a:rPr lang="en-US" altLang="zh-CN" smtClean="0"/>
               <a:pPr/>
-              <a:t>9/11/18</a:t>
+              <a:t>9/13/18</a:t>
             </a:fld>
             <a:endParaRPr lang="en-US"/>
           </a:p>
@@ -8594,7 +8585,7 @@
           <a:p>
             <a:fld id="{C94E3762-5D8A-3A4E-B6DB-2FE9B8FB070F}" type="datetime1">
               <a:rPr lang="en-US" smtClean="0"/>
-              <a:t>9/11/18</a:t>
+              <a:t>9/13/18</a:t>
             </a:fld>
             <a:endParaRPr lang="en-US" dirty="0"/>
           </a:p>
@@ -8814,14 +8805,14 @@
           <a:effectLst/>
           <a:extLst>
             <a:ext uri="{909E8E84-426E-40dd-AFC4-6F175D3DCCD1}">
-              <a14:hiddenFill xmlns="" xmlns:a14="http://schemas.microsoft.com/office/drawing/2010/main">
+              <a14:hiddenFill xmlns:a14="http://schemas.microsoft.com/office/drawing/2010/main" xmlns="">
                 <a:solidFill>
                   <a:schemeClr val="accent1"/>
                 </a:solidFill>
               </a14:hiddenFill>
             </a:ext>
             <a:ext uri="{91240B29-F687-4f45-9708-019B960494DF}">
-              <a14:hiddenLine xmlns="" xmlns:a14="http://schemas.microsoft.com/office/drawing/2010/main" w="9525">
+              <a14:hiddenLine xmlns:a14="http://schemas.microsoft.com/office/drawing/2010/main" xmlns="" w="9525">
                 <a:solidFill>
                   <a:schemeClr val="tx1"/>
                 </a:solidFill>
@@ -8831,7 +8822,7 @@
               </a14:hiddenLine>
             </a:ext>
             <a:ext uri="{AF507438-7753-43e0-B8FC-AC1667EBCBE1}">
-              <a14:hiddenEffects xmlns="" xmlns:a14="http://schemas.microsoft.com/office/drawing/2010/main">
+              <a14:hiddenEffects xmlns:a14="http://schemas.microsoft.com/office/drawing/2010/main" xmlns="">
                 <a:effectLst>
                   <a:outerShdw blurRad="63500" dist="38099" dir="2700000" algn="ctr" rotWithShape="0">
                     <a:schemeClr val="bg2">
@@ -8943,7 +8934,7 @@
           <a:noFill/>
           <a:extLst>
             <a:ext uri="{909E8E84-426E-40dd-AFC4-6F175D3DCCD1}">
-              <a14:hiddenFill xmlns="" xmlns:a14="http://schemas.microsoft.com/office/drawing/2010/main">
+              <a14:hiddenFill xmlns:a14="http://schemas.microsoft.com/office/drawing/2010/main" xmlns="">
                 <a:solidFill>
                   <a:srgbClr val="FFFFFF"/>
                 </a:solidFill>
@@ -9123,7 +9114,7 @@
             <a:fld id="{28B9D61F-2A5C-4372-AFD6-04E243C44FCA}" type="datetime1">
               <a:rPr lang="en-US" altLang="zh-CN" smtClean="0"/>
               <a:pPr/>
-              <a:t>9/11/18</a:t>
+              <a:t>9/13/18</a:t>
             </a:fld>
             <a:endParaRPr lang="en-US"/>
           </a:p>
@@ -9300,7 +9291,7 @@
           <a:p>
             <a:fld id="{C94E3762-5D8A-3A4E-B6DB-2FE9B8FB070F}" type="datetime1">
               <a:rPr lang="en-US" smtClean="0"/>
-              <a:t>9/11/18</a:t>
+              <a:t>9/13/18</a:t>
             </a:fld>
             <a:endParaRPr lang="en-US"/>
           </a:p>
@@ -9438,14 +9429,14 @@
           <a:effectLst/>
           <a:extLst>
             <a:ext uri="{909E8E84-426E-40dd-AFC4-6F175D3DCCD1}">
-              <a14:hiddenFill xmlns="" xmlns:a14="http://schemas.microsoft.com/office/drawing/2010/main">
+              <a14:hiddenFill xmlns:a14="http://schemas.microsoft.com/office/drawing/2010/main" xmlns="">
                 <a:solidFill>
                   <a:schemeClr val="accent1"/>
                 </a:solidFill>
               </a14:hiddenFill>
             </a:ext>
             <a:ext uri="{91240B29-F687-4f45-9708-019B960494DF}">
-              <a14:hiddenLine xmlns="" xmlns:a14="http://schemas.microsoft.com/office/drawing/2010/main" w="9525">
+              <a14:hiddenLine xmlns:a14="http://schemas.microsoft.com/office/drawing/2010/main" xmlns="" w="9525">
                 <a:solidFill>
                   <a:schemeClr val="tx1"/>
                 </a:solidFill>
@@ -9455,7 +9446,7 @@
               </a14:hiddenLine>
             </a:ext>
             <a:ext uri="{AF507438-7753-43e0-B8FC-AC1667EBCBE1}">
-              <a14:hiddenEffects xmlns="" xmlns:a14="http://schemas.microsoft.com/office/drawing/2010/main">
+              <a14:hiddenEffects xmlns:a14="http://schemas.microsoft.com/office/drawing/2010/main" xmlns="">
                 <a:effectLst>
                   <a:outerShdw blurRad="63500" dist="38099" dir="2700000" algn="ctr" rotWithShape="0">
                     <a:schemeClr val="bg2">
@@ -9523,7 +9514,7 @@
           <a:noFill/>
           <a:extLst>
             <a:ext uri="{909E8E84-426E-40dd-AFC4-6F175D3DCCD1}">
-              <a14:hiddenFill xmlns="" xmlns:a14="http://schemas.microsoft.com/office/drawing/2010/main">
+              <a14:hiddenFill xmlns:a14="http://schemas.microsoft.com/office/drawing/2010/main" xmlns="">
                 <a:solidFill>
                   <a:srgbClr val="FFFFFF"/>
                 </a:solidFill>
@@ -9550,7 +9541,7 @@
             <a:fld id="{C9E6E15F-69D6-4607-A1DF-E262C9125CF5}" type="datetime1">
               <a:rPr lang="en-US" altLang="zh-CN" smtClean="0"/>
               <a:pPr/>
-              <a:t>9/11/18</a:t>
+              <a:t>9/13/18</a:t>
             </a:fld>
             <a:endParaRPr lang="en-US"/>
           </a:p>
@@ -9693,14 +9684,14 @@
           <a:effectLst/>
           <a:extLst>
             <a:ext uri="{909E8E84-426E-40dd-AFC4-6F175D3DCCD1}">
-              <a14:hiddenFill xmlns="" xmlns:a14="http://schemas.microsoft.com/office/drawing/2010/main">
+              <a14:hiddenFill xmlns:a14="http://schemas.microsoft.com/office/drawing/2010/main" xmlns="">
                 <a:solidFill>
                   <a:schemeClr val="accent1"/>
                 </a:solidFill>
               </a14:hiddenFill>
             </a:ext>
             <a:ext uri="{91240B29-F687-4f45-9708-019B960494DF}">
-              <a14:hiddenLine xmlns="" xmlns:a14="http://schemas.microsoft.com/office/drawing/2010/main" w="9525">
+              <a14:hiddenLine xmlns:a14="http://schemas.microsoft.com/office/drawing/2010/main" xmlns="" w="9525">
                 <a:solidFill>
                   <a:schemeClr val="tx1"/>
                 </a:solidFill>
@@ -9710,7 +9701,7 @@
               </a14:hiddenLine>
             </a:ext>
             <a:ext uri="{AF507438-7753-43e0-B8FC-AC1667EBCBE1}">
-              <a14:hiddenEffects xmlns="" xmlns:a14="http://schemas.microsoft.com/office/drawing/2010/main">
+              <a14:hiddenEffects xmlns:a14="http://schemas.microsoft.com/office/drawing/2010/main" xmlns="">
                 <a:effectLst>
                   <a:outerShdw blurRad="63500" dist="38099" dir="2700000" algn="ctr" rotWithShape="0">
                     <a:schemeClr val="bg2">
@@ -9762,7 +9753,7 @@
           <a:graphicData uri="http://schemas.openxmlformats.org/presentationml/2006/ole">
             <mc:AlternateContent xmlns:mc="http://schemas.openxmlformats.org/markup-compatibility/2006">
               <mc:Choice xmlns:v="urn:schemas-microsoft-com:vml" Requires="v">
-                <p:oleObj spid="_x0000_s1071" name="Image" r:id="rId4" imgW="20116800" imgH="8229600" progId="">
+                <p:oleObj spid="_x0000_s1074" name="Image" r:id="rId4" imgW="20116800" imgH="8229600" progId="">
                   <p:embed/>
                 </p:oleObj>
               </mc:Choice>
@@ -9805,14 +9796,14 @@
                       <a:effectLst/>
                       <a:extLst>
                         <a:ext uri="{909E8E84-426E-40dd-AFC4-6F175D3DCCD1}">
-                          <a14:hiddenFill xmlns="" xmlns:a14="http://schemas.microsoft.com/office/drawing/2010/main">
+                          <a14:hiddenFill xmlns:a14="http://schemas.microsoft.com/office/drawing/2010/main" xmlns="">
                             <a:solidFill>
                               <a:schemeClr val="accent1"/>
                             </a:solidFill>
                           </a14:hiddenFill>
                         </a:ext>
                         <a:ext uri="{91240B29-F687-4f45-9708-019B960494DF}">
-                          <a14:hiddenLine xmlns="" xmlns:a14="http://schemas.microsoft.com/office/drawing/2010/main" w="12700">
+                          <a14:hiddenLine xmlns:a14="http://schemas.microsoft.com/office/drawing/2010/main" xmlns="" w="12700">
                             <a:solidFill>
                               <a:schemeClr val="tx1"/>
                             </a:solidFill>
@@ -9822,7 +9813,7 @@
                           </a14:hiddenLine>
                         </a:ext>
                         <a:ext uri="{AF507438-7753-43e0-B8FC-AC1667EBCBE1}">
-                          <a14:hiddenEffects xmlns="" xmlns:a14="http://schemas.microsoft.com/office/drawing/2010/main">
+                          <a14:hiddenEffects xmlns:a14="http://schemas.microsoft.com/office/drawing/2010/main" xmlns="">
                             <a:effectLst>
                               <a:outerShdw blurRad="63500" dist="38097" dir="2700000" algn="ctr" rotWithShape="0">
                                 <a:schemeClr val="bg2">
@@ -9859,7 +9850,7 @@
             <a:fld id="{68EB32B6-31F3-4A82-AB9F-303C7115DB38}" type="datetime1">
               <a:rPr lang="en-US" altLang="zh-CN" smtClean="0"/>
               <a:pPr/>
-              <a:t>9/11/18</a:t>
+              <a:t>9/13/18</a:t>
             </a:fld>
             <a:endParaRPr lang="en-US"/>
           </a:p>
